--- a/powerpoint/Session2.pptx
+++ b/powerpoint/Session2.pptx
@@ -12625,7 +12625,13 @@
       </p:sp>
       <p:sp>
         <p:nvSpPr>
-          <p:cNvPr id="229" name="CustomShape 2"/>
+          <p:cNvPr id="2" name="CustomShape 2">
+            <a:extLst>
+              <a:ext uri="{FF2B5EF4-FFF2-40B4-BE49-F238E27FC236}">
+                <a16:creationId xmlns:a16="http://schemas.microsoft.com/office/drawing/2014/main" id="{86D0796E-A584-F74F-6955-98EFCDFF0F0F}"/>
+              </a:ext>
+            </a:extLst>
+          </p:cNvPr>
           <p:cNvSpPr/>
           <p:nvPr/>
         </p:nvSpPr>
@@ -12679,7 +12685,17 @@
                 <a:latin typeface="Calibri"/>
                 <a:ea typeface="DejaVu Sans"/>
               </a:rPr>
-              <a:t>Irina &amp; Rao</a:t>
+              <a:t>Irina &amp; </a:t>
+            </a:r>
+            <a:r>
+              <a:rPr lang="en-US" sz="3200" spc="-1" dirty="0">
+                <a:solidFill>
+                  <a:srgbClr val="8B8B8B"/>
+                </a:solidFill>
+                <a:latin typeface="Calibri"/>
+                <a:ea typeface="DejaVu Sans"/>
+              </a:rPr>
+              <a:t>Bea</a:t>
             </a:r>
             <a:endParaRPr lang="en-GB" sz="3200" b="0" strike="noStrike" spc="-1" dirty="0">
               <a:latin typeface="Arial"/>
@@ -12698,14 +12714,24 @@
               </a:tabLst>
             </a:pPr>
             <a:r>
-              <a:rPr lang="en-US" sz="3200" b="0" strike="noStrike" spc="-1" dirty="0">
+              <a:rPr lang="en-US" sz="3200" spc="-1" dirty="0">
                 <a:solidFill>
                   <a:srgbClr val="8B8B8B"/>
                 </a:solidFill>
                 <a:latin typeface="Calibri"/>
                 <a:ea typeface="DejaVu Sans"/>
               </a:rPr>
-              <a:t>Hilary 2023</a:t>
+              <a:t>March</a:t>
+            </a:r>
+            <a:r>
+              <a:rPr lang="en-US" sz="3200" b="0" strike="noStrike" spc="-1" dirty="0">
+                <a:solidFill>
+                  <a:srgbClr val="8B8B8B"/>
+                </a:solidFill>
+                <a:latin typeface="Calibri"/>
+                <a:ea typeface="DejaVu Sans"/>
+              </a:rPr>
+              <a:t> 2024</a:t>
             </a:r>
             <a:endParaRPr lang="en-GB" sz="3200" b="0" strike="noStrike" spc="-1" dirty="0">
               <a:latin typeface="Arial"/>
@@ -17456,14 +17482,20 @@
       </p:sp>
       <p:sp>
         <p:nvSpPr>
-          <p:cNvPr id="229" name="CustomShape 2"/>
+          <p:cNvPr id="2" name="CustomShape 2">
+            <a:extLst>
+              <a:ext uri="{FF2B5EF4-FFF2-40B4-BE49-F238E27FC236}">
+                <a16:creationId xmlns:a16="http://schemas.microsoft.com/office/drawing/2014/main" id="{097B71C7-9040-D533-B3F8-42E40D83DFB2}"/>
+              </a:ext>
+            </a:extLst>
+          </p:cNvPr>
           <p:cNvSpPr/>
           <p:nvPr/>
         </p:nvSpPr>
         <p:spPr>
           <a:xfrm>
             <a:off x="1378080" y="4766400"/>
-            <a:ext cx="6399360" cy="1751040"/>
+            <a:ext cx="6399720" cy="1751400"/>
           </a:xfrm>
           <a:prstGeom prst="rect">
             <a:avLst/>
@@ -17510,7 +17542,17 @@
                 <a:latin typeface="Calibri"/>
                 <a:ea typeface="DejaVu Sans"/>
               </a:rPr>
-              <a:t>Irina &amp; Rao</a:t>
+              <a:t>Irina &amp; </a:t>
+            </a:r>
+            <a:r>
+              <a:rPr lang="en-US" sz="3200" spc="-1" dirty="0">
+                <a:solidFill>
+                  <a:srgbClr val="8B8B8B"/>
+                </a:solidFill>
+                <a:latin typeface="Calibri"/>
+                <a:ea typeface="DejaVu Sans"/>
+              </a:rPr>
+              <a:t>Bea</a:t>
             </a:r>
             <a:endParaRPr lang="en-GB" sz="3200" b="0" strike="noStrike" spc="-1" dirty="0">
               <a:latin typeface="Arial"/>
@@ -17529,14 +17571,14 @@
               </a:tabLst>
             </a:pPr>
             <a:r>
-              <a:rPr lang="en-US" sz="3200" b="0" strike="noStrike" spc="-1" dirty="0" err="1">
+              <a:rPr lang="en-US" sz="3200" spc="-1" dirty="0">
                 <a:solidFill>
                   <a:srgbClr val="8B8B8B"/>
                 </a:solidFill>
                 <a:latin typeface="Calibri"/>
                 <a:ea typeface="DejaVu Sans"/>
               </a:rPr>
-              <a:t>Michaelmas</a:t>
+              <a:t>March</a:t>
             </a:r>
             <a:r>
               <a:rPr lang="en-US" sz="3200" b="0" strike="noStrike" spc="-1" dirty="0">
@@ -17546,7 +17588,7 @@
                 <a:latin typeface="Calibri"/>
                 <a:ea typeface="DejaVu Sans"/>
               </a:rPr>
-              <a:t> 2023</a:t>
+              <a:t> 2024</a:t>
             </a:r>
             <a:endParaRPr lang="en-GB" sz="3200" b="0" strike="noStrike" spc="-1" dirty="0">
               <a:latin typeface="Arial"/>
